--- a/Classification_Elyas.pptx
+++ b/Classification_Elyas.pptx
@@ -5,22 +5,17 @@
     <p:sldMasterId id="2147483696" r:id="rId1"/>
   </p:sldMasterIdLst>
   <p:notesMasterIdLst>
-    <p:notesMasterId r:id="rId15"/>
+    <p:notesMasterId r:id="rId10"/>
   </p:notesMasterIdLst>
   <p:sldIdLst>
     <p:sldId id="256" r:id="rId2"/>
     <p:sldId id="257" r:id="rId3"/>
     <p:sldId id="258" r:id="rId4"/>
     <p:sldId id="260" r:id="rId5"/>
-    <p:sldId id="261" r:id="rId6"/>
-    <p:sldId id="259" r:id="rId7"/>
-    <p:sldId id="262" r:id="rId8"/>
-    <p:sldId id="263" r:id="rId9"/>
-    <p:sldId id="264" r:id="rId10"/>
-    <p:sldId id="265" r:id="rId11"/>
-    <p:sldId id="266" r:id="rId12"/>
-    <p:sldId id="267" r:id="rId13"/>
-    <p:sldId id="268" r:id="rId14"/>
+    <p:sldId id="269" r:id="rId6"/>
+    <p:sldId id="264" r:id="rId7"/>
+    <p:sldId id="265" r:id="rId8"/>
+    <p:sldId id="268" r:id="rId9"/>
   </p:sldIdLst>
   <p:sldSz cx="9144000" cy="6858000" type="screen4x3"/>
   <p:notesSz cx="6858000" cy="9144000"/>
@@ -220,7 +215,7 @@
           <a:p>
             <a:fld id="{54E294F7-BB44-4FE1-87E1-EAF998FD6DB9}" type="datetimeFigureOut">
               <a:rPr lang="en-US"/>
-              <a:t>3/21/2015</a:t>
+              <a:t>3/25/2015</a:t>
             </a:fld>
             <a:endParaRPr lang="en-US"/>
           </a:p>
@@ -571,342 +566,6 @@
 </p:notes>
 </file>
 
-<file path=ppt/notesSlides/notesSlide10.xml><?xml version="1.0" encoding="utf-8"?>
-<p:notes xmlns:a="http://schemas.openxmlformats.org/drawingml/2006/main" xmlns:r="http://schemas.openxmlformats.org/officeDocument/2006/relationships" xmlns:p="http://schemas.openxmlformats.org/presentationml/2006/main">
-  <p:cSld>
-    <p:spTree>
-      <p:nvGrpSpPr>
-        <p:cNvPr id="1" name=""/>
-        <p:cNvGrpSpPr/>
-        <p:nvPr/>
-      </p:nvGrpSpPr>
-      <p:grpSpPr>
-        <a:xfrm>
-          <a:off x="0" y="0"/>
-          <a:ext cx="0" cy="0"/>
-          <a:chOff x="0" y="0"/>
-          <a:chExt cx="0" cy="0"/>
-        </a:xfrm>
-      </p:grpSpPr>
-      <p:sp>
-        <p:nvSpPr>
-          <p:cNvPr id="2" name="Slide Image Placeholder 1"/>
-          <p:cNvSpPr>
-            <a:spLocks noGrp="1" noRot="1" noChangeAspect="1"/>
-          </p:cNvSpPr>
-          <p:nvPr>
-            <p:ph type="sldImg"/>
-          </p:nvPr>
-        </p:nvSpPr>
-        <p:spPr/>
-      </p:sp>
-      <p:sp>
-        <p:nvSpPr>
-          <p:cNvPr id="3" name="Notes Placeholder 2"/>
-          <p:cNvSpPr>
-            <a:spLocks noGrp="1"/>
-          </p:cNvSpPr>
-          <p:nvPr>
-            <p:ph type="body" idx="1"/>
-          </p:nvPr>
-        </p:nvSpPr>
-        <p:spPr/>
-        <p:txBody>
-          <a:bodyPr/>
-          <a:lstStyle/>
-          <a:p>
-            <a:endParaRPr lang="en-US"/>
-          </a:p>
-        </p:txBody>
-      </p:sp>
-      <p:sp>
-        <p:nvSpPr>
-          <p:cNvPr id="4" name="Slide Number Placeholder 3"/>
-          <p:cNvSpPr>
-            <a:spLocks noGrp="1"/>
-          </p:cNvSpPr>
-          <p:nvPr>
-            <p:ph type="sldNum" sz="quarter" idx="10"/>
-          </p:nvPr>
-        </p:nvSpPr>
-        <p:spPr/>
-        <p:txBody>
-          <a:bodyPr/>
-          <a:lstStyle/>
-          <a:p>
-            <a:fld id="{FCCC10E3-8ECB-4540-808E-06C7DF188CF5}" type="slidenum">
-              <a:rPr lang="en-US"/>
-              <a:t>10</a:t>
-            </a:fld>
-            <a:endParaRPr lang="en-US"/>
-          </a:p>
-        </p:txBody>
-      </p:sp>
-    </p:spTree>
-    <p:extLst>
-      <p:ext uri="{BB962C8B-B14F-4D97-AF65-F5344CB8AC3E}">
-        <p14:creationId xmlns:p14="http://schemas.microsoft.com/office/powerpoint/2010/main" val="868588620"/>
-      </p:ext>
-    </p:extLst>
-  </p:cSld>
-  <p:clrMapOvr>
-    <a:masterClrMapping/>
-  </p:clrMapOvr>
-</p:notes>
-</file>
-
-<file path=ppt/notesSlides/notesSlide11.xml><?xml version="1.0" encoding="utf-8"?>
-<p:notes xmlns:a="http://schemas.openxmlformats.org/drawingml/2006/main" xmlns:r="http://schemas.openxmlformats.org/officeDocument/2006/relationships" xmlns:p="http://schemas.openxmlformats.org/presentationml/2006/main">
-  <p:cSld>
-    <p:spTree>
-      <p:nvGrpSpPr>
-        <p:cNvPr id="1" name=""/>
-        <p:cNvGrpSpPr/>
-        <p:nvPr/>
-      </p:nvGrpSpPr>
-      <p:grpSpPr>
-        <a:xfrm>
-          <a:off x="0" y="0"/>
-          <a:ext cx="0" cy="0"/>
-          <a:chOff x="0" y="0"/>
-          <a:chExt cx="0" cy="0"/>
-        </a:xfrm>
-      </p:grpSpPr>
-      <p:sp>
-        <p:nvSpPr>
-          <p:cNvPr id="2" name="Slide Image Placeholder 1"/>
-          <p:cNvSpPr>
-            <a:spLocks noGrp="1" noRot="1" noChangeAspect="1"/>
-          </p:cNvSpPr>
-          <p:nvPr>
-            <p:ph type="sldImg"/>
-          </p:nvPr>
-        </p:nvSpPr>
-        <p:spPr/>
-      </p:sp>
-      <p:sp>
-        <p:nvSpPr>
-          <p:cNvPr id="3" name="Notes Placeholder 2"/>
-          <p:cNvSpPr>
-            <a:spLocks noGrp="1"/>
-          </p:cNvSpPr>
-          <p:nvPr>
-            <p:ph type="body" idx="1"/>
-          </p:nvPr>
-        </p:nvSpPr>
-        <p:spPr/>
-        <p:txBody>
-          <a:bodyPr/>
-          <a:lstStyle/>
-          <a:p>
-            <a:endParaRPr lang="en-US"/>
-          </a:p>
-        </p:txBody>
-      </p:sp>
-      <p:sp>
-        <p:nvSpPr>
-          <p:cNvPr id="4" name="Slide Number Placeholder 3"/>
-          <p:cNvSpPr>
-            <a:spLocks noGrp="1"/>
-          </p:cNvSpPr>
-          <p:nvPr>
-            <p:ph type="sldNum" sz="quarter" idx="10"/>
-          </p:nvPr>
-        </p:nvSpPr>
-        <p:spPr/>
-        <p:txBody>
-          <a:bodyPr/>
-          <a:lstStyle/>
-          <a:p>
-            <a:fld id="{FCCC10E3-8ECB-4540-808E-06C7DF188CF5}" type="slidenum">
-              <a:rPr lang="en-US"/>
-              <a:t>10</a:t>
-            </a:fld>
-            <a:endParaRPr lang="en-US"/>
-          </a:p>
-        </p:txBody>
-      </p:sp>
-    </p:spTree>
-    <p:extLst>
-      <p:ext uri="{BB962C8B-B14F-4D97-AF65-F5344CB8AC3E}">
-        <p14:creationId xmlns:p14="http://schemas.microsoft.com/office/powerpoint/2010/main" val="3409521726"/>
-      </p:ext>
-    </p:extLst>
-  </p:cSld>
-  <p:clrMapOvr>
-    <a:masterClrMapping/>
-  </p:clrMapOvr>
-</p:notes>
-</file>
-
-<file path=ppt/notesSlides/notesSlide12.xml><?xml version="1.0" encoding="utf-8"?>
-<p:notes xmlns:a="http://schemas.openxmlformats.org/drawingml/2006/main" xmlns:r="http://schemas.openxmlformats.org/officeDocument/2006/relationships" xmlns:p="http://schemas.openxmlformats.org/presentationml/2006/main">
-  <p:cSld>
-    <p:spTree>
-      <p:nvGrpSpPr>
-        <p:cNvPr id="1" name=""/>
-        <p:cNvGrpSpPr/>
-        <p:nvPr/>
-      </p:nvGrpSpPr>
-      <p:grpSpPr>
-        <a:xfrm>
-          <a:off x="0" y="0"/>
-          <a:ext cx="0" cy="0"/>
-          <a:chOff x="0" y="0"/>
-          <a:chExt cx="0" cy="0"/>
-        </a:xfrm>
-      </p:grpSpPr>
-      <p:sp>
-        <p:nvSpPr>
-          <p:cNvPr id="2" name="Slide Image Placeholder 1"/>
-          <p:cNvSpPr>
-            <a:spLocks noGrp="1" noRot="1" noChangeAspect="1"/>
-          </p:cNvSpPr>
-          <p:nvPr>
-            <p:ph type="sldImg"/>
-          </p:nvPr>
-        </p:nvSpPr>
-        <p:spPr/>
-      </p:sp>
-      <p:sp>
-        <p:nvSpPr>
-          <p:cNvPr id="3" name="Notes Placeholder 2"/>
-          <p:cNvSpPr>
-            <a:spLocks noGrp="1"/>
-          </p:cNvSpPr>
-          <p:nvPr>
-            <p:ph type="body" idx="1"/>
-          </p:nvPr>
-        </p:nvSpPr>
-        <p:spPr/>
-        <p:txBody>
-          <a:bodyPr/>
-          <a:lstStyle/>
-          <a:p>
-            <a:endParaRPr lang="en-US"/>
-          </a:p>
-        </p:txBody>
-      </p:sp>
-      <p:sp>
-        <p:nvSpPr>
-          <p:cNvPr id="4" name="Slide Number Placeholder 3"/>
-          <p:cNvSpPr>
-            <a:spLocks noGrp="1"/>
-          </p:cNvSpPr>
-          <p:nvPr>
-            <p:ph type="sldNum" sz="quarter" idx="10"/>
-          </p:nvPr>
-        </p:nvSpPr>
-        <p:spPr/>
-        <p:txBody>
-          <a:bodyPr/>
-          <a:lstStyle/>
-          <a:p>
-            <a:fld id="{FCCC10E3-8ECB-4540-808E-06C7DF188CF5}" type="slidenum">
-              <a:rPr lang="en-US"/>
-              <a:t>6</a:t>
-            </a:fld>
-            <a:endParaRPr lang="en-US"/>
-          </a:p>
-        </p:txBody>
-      </p:sp>
-    </p:spTree>
-    <p:extLst>
-      <p:ext uri="{BB962C8B-B14F-4D97-AF65-F5344CB8AC3E}">
-        <p14:creationId xmlns:p14="http://schemas.microsoft.com/office/powerpoint/2010/main" val="1190224593"/>
-      </p:ext>
-    </p:extLst>
-  </p:cSld>
-  <p:clrMapOvr>
-    <a:masterClrMapping/>
-  </p:clrMapOvr>
-</p:notes>
-</file>
-
-<file path=ppt/notesSlides/notesSlide13.xml><?xml version="1.0" encoding="utf-8"?>
-<p:notes xmlns:a="http://schemas.openxmlformats.org/drawingml/2006/main" xmlns:r="http://schemas.openxmlformats.org/officeDocument/2006/relationships" xmlns:p="http://schemas.openxmlformats.org/presentationml/2006/main">
-  <p:cSld>
-    <p:spTree>
-      <p:nvGrpSpPr>
-        <p:cNvPr id="1" name=""/>
-        <p:cNvGrpSpPr/>
-        <p:nvPr/>
-      </p:nvGrpSpPr>
-      <p:grpSpPr>
-        <a:xfrm>
-          <a:off x="0" y="0"/>
-          <a:ext cx="0" cy="0"/>
-          <a:chOff x="0" y="0"/>
-          <a:chExt cx="0" cy="0"/>
-        </a:xfrm>
-      </p:grpSpPr>
-      <p:sp>
-        <p:nvSpPr>
-          <p:cNvPr id="2" name="Slide Image Placeholder 1"/>
-          <p:cNvSpPr>
-            <a:spLocks noGrp="1" noRot="1" noChangeAspect="1"/>
-          </p:cNvSpPr>
-          <p:nvPr>
-            <p:ph type="sldImg"/>
-          </p:nvPr>
-        </p:nvSpPr>
-        <p:spPr/>
-      </p:sp>
-      <p:sp>
-        <p:nvSpPr>
-          <p:cNvPr id="3" name="Notes Placeholder 2"/>
-          <p:cNvSpPr>
-            <a:spLocks noGrp="1"/>
-          </p:cNvSpPr>
-          <p:nvPr>
-            <p:ph type="body" idx="1"/>
-          </p:nvPr>
-        </p:nvSpPr>
-        <p:spPr/>
-        <p:txBody>
-          <a:bodyPr/>
-          <a:lstStyle/>
-          <a:p>
-            <a:endParaRPr lang="en-US"/>
-          </a:p>
-        </p:txBody>
-      </p:sp>
-      <p:sp>
-        <p:nvSpPr>
-          <p:cNvPr id="4" name="Slide Number Placeholder 3"/>
-          <p:cNvSpPr>
-            <a:spLocks noGrp="1"/>
-          </p:cNvSpPr>
-          <p:nvPr>
-            <p:ph type="sldNum" sz="quarter" idx="10"/>
-          </p:nvPr>
-        </p:nvSpPr>
-        <p:spPr/>
-        <p:txBody>
-          <a:bodyPr/>
-          <a:lstStyle/>
-          <a:p>
-            <a:fld id="{FCCC10E3-8ECB-4540-808E-06C7DF188CF5}" type="slidenum">
-              <a:rPr lang="en-US"/>
-              <a:t>11</a:t>
-            </a:fld>
-            <a:endParaRPr lang="en-US"/>
-          </a:p>
-        </p:txBody>
-      </p:sp>
-    </p:spTree>
-    <p:extLst>
-      <p:ext uri="{BB962C8B-B14F-4D97-AF65-F5344CB8AC3E}">
-        <p14:creationId xmlns:p14="http://schemas.microsoft.com/office/powerpoint/2010/main" val="3399605700"/>
-      </p:ext>
-    </p:extLst>
-  </p:cSld>
-  <p:clrMapOvr>
-    <a:masterClrMapping/>
-  </p:clrMapOvr>
-</p:notes>
-</file>
-
 <file path=ppt/notesSlides/notesSlide2.xml><?xml version="1.0" encoding="utf-8"?>
 <p:notes xmlns:a="http://schemas.openxmlformats.org/drawingml/2006/main" xmlns:r="http://schemas.openxmlformats.org/officeDocument/2006/relationships" xmlns:p="http://schemas.openxmlformats.org/presentationml/2006/main">
   <p:cSld>
@@ -1233,7 +892,7 @@
     </p:spTree>
     <p:extLst>
       <p:ext uri="{BB962C8B-B14F-4D97-AF65-F5344CB8AC3E}">
-        <p14:creationId xmlns:p14="http://schemas.microsoft.com/office/powerpoint/2010/main" val="1242100176"/>
+        <p14:creationId xmlns:p14="http://schemas.microsoft.com/office/powerpoint/2010/main" val="117972183"/>
       </p:ext>
     </p:extLst>
   </p:cSld>
@@ -1317,7 +976,7 @@
     </p:spTree>
     <p:extLst>
       <p:ext uri="{BB962C8B-B14F-4D97-AF65-F5344CB8AC3E}">
-        <p14:creationId xmlns:p14="http://schemas.microsoft.com/office/powerpoint/2010/main" val="158810150"/>
+        <p14:creationId xmlns:p14="http://schemas.microsoft.com/office/powerpoint/2010/main" val="4068282534"/>
       </p:ext>
     </p:extLst>
   </p:cSld>
@@ -1401,7 +1060,7 @@
     </p:spTree>
     <p:extLst>
       <p:ext uri="{BB962C8B-B14F-4D97-AF65-F5344CB8AC3E}">
-        <p14:creationId xmlns:p14="http://schemas.microsoft.com/office/powerpoint/2010/main" val="424505830"/>
+        <p14:creationId xmlns:p14="http://schemas.microsoft.com/office/powerpoint/2010/main" val="868588620"/>
       </p:ext>
     </p:extLst>
   </p:cSld>
@@ -1485,91 +1144,7 @@
     </p:spTree>
     <p:extLst>
       <p:ext uri="{BB962C8B-B14F-4D97-AF65-F5344CB8AC3E}">
-        <p14:creationId xmlns:p14="http://schemas.microsoft.com/office/powerpoint/2010/main" val="4258950828"/>
-      </p:ext>
-    </p:extLst>
-  </p:cSld>
-  <p:clrMapOvr>
-    <a:masterClrMapping/>
-  </p:clrMapOvr>
-</p:notes>
-</file>
-
-<file path=ppt/notesSlides/notesSlide9.xml><?xml version="1.0" encoding="utf-8"?>
-<p:notes xmlns:a="http://schemas.openxmlformats.org/drawingml/2006/main" xmlns:r="http://schemas.openxmlformats.org/officeDocument/2006/relationships" xmlns:p="http://schemas.openxmlformats.org/presentationml/2006/main">
-  <p:cSld>
-    <p:spTree>
-      <p:nvGrpSpPr>
-        <p:cNvPr id="1" name=""/>
-        <p:cNvGrpSpPr/>
-        <p:nvPr/>
-      </p:nvGrpSpPr>
-      <p:grpSpPr>
-        <a:xfrm>
-          <a:off x="0" y="0"/>
-          <a:ext cx="0" cy="0"/>
-          <a:chOff x="0" y="0"/>
-          <a:chExt cx="0" cy="0"/>
-        </a:xfrm>
-      </p:grpSpPr>
-      <p:sp>
-        <p:nvSpPr>
-          <p:cNvPr id="2" name="Slide Image Placeholder 1"/>
-          <p:cNvSpPr>
-            <a:spLocks noGrp="1" noRot="1" noChangeAspect="1"/>
-          </p:cNvSpPr>
-          <p:nvPr>
-            <p:ph type="sldImg"/>
-          </p:nvPr>
-        </p:nvSpPr>
-        <p:spPr/>
-      </p:sp>
-      <p:sp>
-        <p:nvSpPr>
-          <p:cNvPr id="3" name="Notes Placeholder 2"/>
-          <p:cNvSpPr>
-            <a:spLocks noGrp="1"/>
-          </p:cNvSpPr>
-          <p:nvPr>
-            <p:ph type="body" idx="1"/>
-          </p:nvPr>
-        </p:nvSpPr>
-        <p:spPr/>
-        <p:txBody>
-          <a:bodyPr/>
-          <a:lstStyle/>
-          <a:p>
-            <a:endParaRPr lang="en-US"/>
-          </a:p>
-        </p:txBody>
-      </p:sp>
-      <p:sp>
-        <p:nvSpPr>
-          <p:cNvPr id="4" name="Slide Number Placeholder 3"/>
-          <p:cNvSpPr>
-            <a:spLocks noGrp="1"/>
-          </p:cNvSpPr>
-          <p:nvPr>
-            <p:ph type="sldNum" sz="quarter" idx="10"/>
-          </p:nvPr>
-        </p:nvSpPr>
-        <p:spPr/>
-        <p:txBody>
-          <a:bodyPr/>
-          <a:lstStyle/>
-          <a:p>
-            <a:fld id="{FCCC10E3-8ECB-4540-808E-06C7DF188CF5}" type="slidenum">
-              <a:rPr lang="en-US"/>
-              <a:t>9</a:t>
-            </a:fld>
-            <a:endParaRPr lang="en-US"/>
-          </a:p>
-        </p:txBody>
-      </p:sp>
-    </p:spTree>
-    <p:extLst>
-      <p:ext uri="{BB962C8B-B14F-4D97-AF65-F5344CB8AC3E}">
-        <p14:creationId xmlns:p14="http://schemas.microsoft.com/office/powerpoint/2010/main" val="4068282534"/>
+        <p14:creationId xmlns:p14="http://schemas.microsoft.com/office/powerpoint/2010/main" val="3399605700"/>
       </p:ext>
     </p:extLst>
   </p:cSld>
@@ -1760,7 +1335,7 @@
           <a:p>
             <a:fld id="{A620DDE7-E75E-6F4A-AA7F-B71F0191A801}" type="datetimeFigureOut">
               <a:rPr lang="en-US" smtClean="0"/>
-              <a:t>3/21/2015</a:t>
+              <a:t>3/25/2015</a:t>
             </a:fld>
             <a:endParaRPr lang="en-US"/>
           </a:p>
@@ -1930,7 +1505,7 @@
           <a:p>
             <a:fld id="{A620DDE7-E75E-6F4A-AA7F-B71F0191A801}" type="datetimeFigureOut">
               <a:rPr lang="en-US" smtClean="0"/>
-              <a:t>3/21/2015</a:t>
+              <a:t>3/25/2015</a:t>
             </a:fld>
             <a:endParaRPr lang="en-US"/>
           </a:p>
@@ -2110,7 +1685,7 @@
           <a:p>
             <a:fld id="{A620DDE7-E75E-6F4A-AA7F-B71F0191A801}" type="datetimeFigureOut">
               <a:rPr lang="en-US" smtClean="0"/>
-              <a:t>3/21/2015</a:t>
+              <a:t>3/25/2015</a:t>
             </a:fld>
             <a:endParaRPr lang="en-US"/>
           </a:p>
@@ -2280,7 +1855,7 @@
           <a:p>
             <a:fld id="{A620DDE7-E75E-6F4A-AA7F-B71F0191A801}" type="datetimeFigureOut">
               <a:rPr lang="en-US" smtClean="0"/>
-              <a:t>3/21/2015</a:t>
+              <a:t>3/25/2015</a:t>
             </a:fld>
             <a:endParaRPr lang="en-US"/>
           </a:p>
@@ -2526,7 +2101,7 @@
           <a:p>
             <a:fld id="{A620DDE7-E75E-6F4A-AA7F-B71F0191A801}" type="datetimeFigureOut">
               <a:rPr lang="en-US" smtClean="0"/>
-              <a:t>3/21/2015</a:t>
+              <a:t>3/25/2015</a:t>
             </a:fld>
             <a:endParaRPr lang="en-US"/>
           </a:p>
@@ -2814,7 +2389,7 @@
           <a:p>
             <a:fld id="{A620DDE7-E75E-6F4A-AA7F-B71F0191A801}" type="datetimeFigureOut">
               <a:rPr lang="en-US" smtClean="0"/>
-              <a:t>3/21/2015</a:t>
+              <a:t>3/25/2015</a:t>
             </a:fld>
             <a:endParaRPr lang="en-US"/>
           </a:p>
@@ -3236,7 +2811,7 @@
           <a:p>
             <a:fld id="{A620DDE7-E75E-6F4A-AA7F-B71F0191A801}" type="datetimeFigureOut">
               <a:rPr lang="en-US" smtClean="0"/>
-              <a:t>3/21/2015</a:t>
+              <a:t>3/25/2015</a:t>
             </a:fld>
             <a:endParaRPr lang="en-US"/>
           </a:p>
@@ -3354,7 +2929,7 @@
           <a:p>
             <a:fld id="{A620DDE7-E75E-6F4A-AA7F-B71F0191A801}" type="datetimeFigureOut">
               <a:rPr lang="en-US" smtClean="0"/>
-              <a:t>3/21/2015</a:t>
+              <a:t>3/25/2015</a:t>
             </a:fld>
             <a:endParaRPr lang="en-US"/>
           </a:p>
@@ -3449,7 +3024,7 @@
           <a:p>
             <a:fld id="{A620DDE7-E75E-6F4A-AA7F-B71F0191A801}" type="datetimeFigureOut">
               <a:rPr lang="en-US" smtClean="0"/>
-              <a:t>3/21/2015</a:t>
+              <a:t>3/25/2015</a:t>
             </a:fld>
             <a:endParaRPr lang="en-US"/>
           </a:p>
@@ -3726,7 +3301,7 @@
           <a:p>
             <a:fld id="{A620DDE7-E75E-6F4A-AA7F-B71F0191A801}" type="datetimeFigureOut">
               <a:rPr lang="en-US" smtClean="0"/>
-              <a:t>3/21/2015</a:t>
+              <a:t>3/25/2015</a:t>
             </a:fld>
             <a:endParaRPr lang="en-US"/>
           </a:p>
@@ -3979,7 +3554,7 @@
           <a:p>
             <a:fld id="{A620DDE7-E75E-6F4A-AA7F-B71F0191A801}" type="datetimeFigureOut">
               <a:rPr lang="en-US" smtClean="0"/>
-              <a:t>3/21/2015</a:t>
+              <a:t>3/25/2015</a:t>
             </a:fld>
             <a:endParaRPr lang="en-US"/>
           </a:p>
@@ -4192,7 +3767,7 @@
           <a:p>
             <a:fld id="{A620DDE7-E75E-6F4A-AA7F-B71F0191A801}" type="datetimeFigureOut">
               <a:rPr lang="en-US" smtClean="0"/>
-              <a:t>3/21/2015</a:t>
+              <a:t>3/25/2015</a:t>
             </a:fld>
             <a:endParaRPr lang="en-US"/>
           </a:p>
@@ -4637,595 +4212,6 @@
 </p:sld>
 </file>
 
-<file path=ppt/slides/slide10.xml><?xml version="1.0" encoding="utf-8"?>
-<p:sld xmlns:a="http://schemas.openxmlformats.org/drawingml/2006/main" xmlns:r="http://schemas.openxmlformats.org/officeDocument/2006/relationships" xmlns:p="http://schemas.openxmlformats.org/presentationml/2006/main">
-  <p:cSld>
-    <p:spTree>
-      <p:nvGrpSpPr>
-        <p:cNvPr id="1" name=""/>
-        <p:cNvGrpSpPr/>
-        <p:nvPr/>
-      </p:nvGrpSpPr>
-      <p:grpSpPr>
-        <a:xfrm>
-          <a:off x="0" y="0"/>
-          <a:ext cx="0" cy="0"/>
-          <a:chOff x="0" y="0"/>
-          <a:chExt cx="0" cy="0"/>
-        </a:xfrm>
-      </p:grpSpPr>
-      <p:sp>
-        <p:nvSpPr>
-          <p:cNvPr id="2" name="Title 1"/>
-          <p:cNvSpPr>
-            <a:spLocks noGrp="1"/>
-          </p:cNvSpPr>
-          <p:nvPr>
-            <p:ph type="title"/>
-          </p:nvPr>
-        </p:nvSpPr>
-        <p:spPr/>
-        <p:txBody>
-          <a:bodyPr>
-            <a:normAutofit fontScale="90000"/>
-          </a:bodyPr>
-          <a:lstStyle/>
-          <a:p>
-            <a:r>
-              <a:rPr lang="en-US">
-                <a:latin typeface="Verdana"/>
-                <a:ea typeface="Verdana"/>
-                <a:cs typeface="Verdana"/>
-              </a:rPr>
-              <a:t>Fuzzy k-Nearest Neighbour (FKNN)</a:t>
-            </a:r>
-          </a:p>
-        </p:txBody>
-      </p:sp>
-      <p:sp>
-        <p:nvSpPr>
-          <p:cNvPr id="3" name="Content Placeholder 2"/>
-          <p:cNvSpPr>
-            <a:spLocks noGrp="1"/>
-          </p:cNvSpPr>
-          <p:nvPr>
-            <p:ph idx="1"/>
-          </p:nvPr>
-        </p:nvSpPr>
-        <p:spPr/>
-        <p:txBody>
-          <a:bodyPr>
-            <a:normAutofit/>
-          </a:bodyPr>
-          <a:lstStyle/>
-          <a:p>
-            <a:r>
-              <a:rPr lang="en-US" sz="2800">
-                <a:latin typeface="Verdana"/>
-                <a:ea typeface="Verdana"/>
-                <a:cs typeface="Verdana"/>
-              </a:rPr>
-              <a:t>The ML part</a:t>
-            </a:r>
-          </a:p>
-          <a:p>
-            <a:r>
-              <a:rPr lang="en-US" sz="2800">
-                <a:latin typeface="Verdana" charset="0"/>
-                <a:ea typeface="Verdana" charset="0"/>
-                <a:cs typeface="Verdana" charset="0"/>
-              </a:rPr>
-              <a:t>Values of training set are fuzzy vectors</a:t>
-            </a:r>
-          </a:p>
-          <a:p>
-            <a:r>
-              <a:rPr lang="en-US" sz="2800">
-                <a:latin typeface="Verdana" charset="0"/>
-                <a:ea typeface="Verdana" charset="0"/>
-                <a:cs typeface="Verdana" charset="0"/>
-              </a:rPr>
-              <a:t>Components of vectors: mean feature value a class</a:t>
-            </a:r>
-          </a:p>
-          <a:p>
-            <a:r>
-              <a:rPr lang="en-US" sz="2800">
-                <a:latin typeface="Verdana" charset="0"/>
-                <a:ea typeface="Verdana" charset="0"/>
-                <a:cs typeface="Verdana" charset="0"/>
-              </a:rPr>
-              <a:t>Error is calculated for each test data point </a:t>
-            </a:r>
-          </a:p>
-          <a:p>
-            <a:r>
-              <a:rPr lang="en-US" sz="2800">
-                <a:latin typeface="Verdana" charset="0"/>
-                <a:ea typeface="Verdana" charset="0"/>
-                <a:cs typeface="Verdana" charset="0"/>
-              </a:rPr>
-              <a:t>Weakest features are removed</a:t>
-            </a:r>
-          </a:p>
-        </p:txBody>
-      </p:sp>
-    </p:spTree>
-    <p:extLst>
-      <p:ext uri="{BB962C8B-B14F-4D97-AF65-F5344CB8AC3E}">
-        <p14:creationId xmlns:p14="http://schemas.microsoft.com/office/powerpoint/2010/main" val="3765171549"/>
-      </p:ext>
-    </p:extLst>
-  </p:cSld>
-  <p:clrMapOvr>
-    <a:masterClrMapping/>
-  </p:clrMapOvr>
-</p:sld>
-</file>
-
-<file path=ppt/slides/slide11.xml><?xml version="1.0" encoding="utf-8"?>
-<p:sld xmlns:a="http://schemas.openxmlformats.org/drawingml/2006/main" xmlns:r="http://schemas.openxmlformats.org/officeDocument/2006/relationships" xmlns:p="http://schemas.openxmlformats.org/presentationml/2006/main">
-  <p:cSld>
-    <p:spTree>
-      <p:nvGrpSpPr>
-        <p:cNvPr id="1" name=""/>
-        <p:cNvGrpSpPr/>
-        <p:nvPr/>
-      </p:nvGrpSpPr>
-      <p:grpSpPr>
-        <a:xfrm>
-          <a:off x="0" y="0"/>
-          <a:ext cx="0" cy="0"/>
-          <a:chOff x="0" y="0"/>
-          <a:chExt cx="0" cy="0"/>
-        </a:xfrm>
-      </p:grpSpPr>
-      <p:sp>
-        <p:nvSpPr>
-          <p:cNvPr id="5" name="Content Placeholder 2"/>
-          <p:cNvSpPr txBox="1">
-            <a:spLocks/>
-          </p:cNvSpPr>
-          <p:nvPr/>
-        </p:nvSpPr>
-        <p:spPr>
-          <a:xfrm>
-            <a:off x="445698" y="1595886"/>
-            <a:ext cx="8229600" cy="4525963"/>
-          </a:xfrm>
-          <a:prstGeom prst="rect">
-            <a:avLst/>
-          </a:prstGeom>
-        </p:spPr>
-        <p:txBody>
-          <a:bodyPr vert="horz" lIns="91440" tIns="45720" rIns="91440" bIns="45720" rtlCol="0">
-            <a:normAutofit/>
-          </a:bodyPr>
-          <a:lstStyle>
-            <a:lvl1pPr marL="342900" indent="-342900" algn="l" defTabSz="457200" rtl="0" eaLnBrk="1" latinLnBrk="0" hangingPunct="1">
-              <a:spcBef>
-                <a:spcPct val="20000"/>
-              </a:spcBef>
-              <a:buFont typeface="Arial"/>
-              <a:buChar char="•"/>
-              <a:defRPr sz="3200" kern="1200">
-                <a:solidFill>
-                  <a:schemeClr val="tx1"/>
-                </a:solidFill>
-                <a:latin typeface="+mn-lt"/>
-                <a:ea typeface="+mn-ea"/>
-                <a:cs typeface="+mn-cs"/>
-              </a:defRPr>
-            </a:lvl1pPr>
-            <a:lvl2pPr marL="742950" indent="-285750" algn="l" defTabSz="457200" rtl="0" eaLnBrk="1" latinLnBrk="0" hangingPunct="1">
-              <a:spcBef>
-                <a:spcPct val="20000"/>
-              </a:spcBef>
-              <a:buFont typeface="Arial"/>
-              <a:buChar char="–"/>
-              <a:defRPr sz="2800" kern="1200">
-                <a:solidFill>
-                  <a:schemeClr val="tx1"/>
-                </a:solidFill>
-                <a:latin typeface="+mn-lt"/>
-                <a:ea typeface="+mn-ea"/>
-                <a:cs typeface="+mn-cs"/>
-              </a:defRPr>
-            </a:lvl2pPr>
-            <a:lvl3pPr marL="1143000" indent="-228600" algn="l" defTabSz="457200" rtl="0" eaLnBrk="1" latinLnBrk="0" hangingPunct="1">
-              <a:spcBef>
-                <a:spcPct val="20000"/>
-              </a:spcBef>
-              <a:buFont typeface="Arial"/>
-              <a:buChar char="•"/>
-              <a:defRPr sz="2400" kern="1200">
-                <a:solidFill>
-                  <a:schemeClr val="tx1"/>
-                </a:solidFill>
-                <a:latin typeface="+mn-lt"/>
-                <a:ea typeface="+mn-ea"/>
-                <a:cs typeface="+mn-cs"/>
-              </a:defRPr>
-            </a:lvl3pPr>
-            <a:lvl4pPr marL="1600200" indent="-228600" algn="l" defTabSz="457200" rtl="0" eaLnBrk="1" latinLnBrk="0" hangingPunct="1">
-              <a:spcBef>
-                <a:spcPct val="20000"/>
-              </a:spcBef>
-              <a:buFont typeface="Arial"/>
-              <a:buChar char="–"/>
-              <a:defRPr sz="2000" kern="1200">
-                <a:solidFill>
-                  <a:schemeClr val="tx1"/>
-                </a:solidFill>
-                <a:latin typeface="+mn-lt"/>
-                <a:ea typeface="+mn-ea"/>
-                <a:cs typeface="+mn-cs"/>
-              </a:defRPr>
-            </a:lvl4pPr>
-            <a:lvl5pPr marL="2057400" indent="-228600" algn="l" defTabSz="457200" rtl="0" eaLnBrk="1" latinLnBrk="0" hangingPunct="1">
-              <a:spcBef>
-                <a:spcPct val="20000"/>
-              </a:spcBef>
-              <a:buFont typeface="Arial"/>
-              <a:buChar char="»"/>
-              <a:defRPr sz="2000" kern="1200">
-                <a:solidFill>
-                  <a:schemeClr val="tx1"/>
-                </a:solidFill>
-                <a:latin typeface="+mn-lt"/>
-                <a:ea typeface="+mn-ea"/>
-                <a:cs typeface="+mn-cs"/>
-              </a:defRPr>
-            </a:lvl5pPr>
-            <a:lvl6pPr marL="2514600" indent="-228600" algn="l" defTabSz="457200" rtl="0" eaLnBrk="1" latinLnBrk="0" hangingPunct="1">
-              <a:spcBef>
-                <a:spcPct val="20000"/>
-              </a:spcBef>
-              <a:buFont typeface="Arial"/>
-              <a:buChar char="•"/>
-              <a:defRPr sz="2000" kern="1200">
-                <a:solidFill>
-                  <a:schemeClr val="tx1"/>
-                </a:solidFill>
-                <a:latin typeface="+mn-lt"/>
-                <a:ea typeface="+mn-ea"/>
-                <a:cs typeface="+mn-cs"/>
-              </a:defRPr>
-            </a:lvl6pPr>
-            <a:lvl7pPr marL="2971800" indent="-228600" algn="l" defTabSz="457200" rtl="0" eaLnBrk="1" latinLnBrk="0" hangingPunct="1">
-              <a:spcBef>
-                <a:spcPct val="20000"/>
-              </a:spcBef>
-              <a:buFont typeface="Arial"/>
-              <a:buChar char="•"/>
-              <a:defRPr sz="2000" kern="1200">
-                <a:solidFill>
-                  <a:schemeClr val="tx1"/>
-                </a:solidFill>
-                <a:latin typeface="+mn-lt"/>
-                <a:ea typeface="+mn-ea"/>
-                <a:cs typeface="+mn-cs"/>
-              </a:defRPr>
-            </a:lvl7pPr>
-            <a:lvl8pPr marL="3429000" indent="-228600" algn="l" defTabSz="457200" rtl="0" eaLnBrk="1" latinLnBrk="0" hangingPunct="1">
-              <a:spcBef>
-                <a:spcPct val="20000"/>
-              </a:spcBef>
-              <a:buFont typeface="Arial"/>
-              <a:buChar char="•"/>
-              <a:defRPr sz="2000" kern="1200">
-                <a:solidFill>
-                  <a:schemeClr val="tx1"/>
-                </a:solidFill>
-                <a:latin typeface="+mn-lt"/>
-                <a:ea typeface="+mn-ea"/>
-                <a:cs typeface="+mn-cs"/>
-              </a:defRPr>
-            </a:lvl8pPr>
-            <a:lvl9pPr marL="3886200" indent="-228600" algn="l" defTabSz="457200" rtl="0" eaLnBrk="1" latinLnBrk="0" hangingPunct="1">
-              <a:spcBef>
-                <a:spcPct val="20000"/>
-              </a:spcBef>
-              <a:buFont typeface="Arial"/>
-              <a:buChar char="•"/>
-              <a:defRPr sz="2000" kern="1200">
-                <a:solidFill>
-                  <a:schemeClr val="tx1"/>
-                </a:solidFill>
-                <a:latin typeface="+mn-lt"/>
-                <a:ea typeface="+mn-ea"/>
-                <a:cs typeface="+mn-cs"/>
-              </a:defRPr>
-            </a:lvl9pPr>
-          </a:lstStyle>
-          <a:p>
-            <a:r>
-              <a:rPr lang="en-US" sz="2800">
-                <a:latin typeface="Verdana"/>
-                <a:ea typeface="Verdana"/>
-                <a:cs typeface="Verdana"/>
-              </a:rPr>
-              <a:t>Clusters </a:t>
-            </a:r>
-            <a:r>
-              <a:rPr lang="en-US" sz="2800">
-                <a:latin typeface="Verdana" charset="0"/>
-                <a:ea typeface="Verdana" charset="0"/>
-                <a:cs typeface="Verdana" charset="0"/>
-              </a:rPr>
-              <a:t>data to form normal distributions</a:t>
-            </a:r>
-          </a:p>
-        </p:txBody>
-      </p:sp>
-      <p:sp>
-        <p:nvSpPr>
-          <p:cNvPr id="2" name="Title 1"/>
-          <p:cNvSpPr>
-            <a:spLocks noGrp="1"/>
-          </p:cNvSpPr>
-          <p:nvPr>
-            <p:ph type="title"/>
-          </p:nvPr>
-        </p:nvSpPr>
-        <p:spPr/>
-        <p:txBody>
-          <a:bodyPr>
-            <a:normAutofit fontScale="90000"/>
-          </a:bodyPr>
-          <a:lstStyle/>
-          <a:p>
-            <a:r>
-              <a:rPr lang="en-US">
-                <a:latin typeface="Verdana"/>
-                <a:ea typeface="Verdana"/>
-                <a:cs typeface="Verdana"/>
-              </a:rPr>
-              <a:t>Gaussian Mixture Model (GMM)</a:t>
-            </a:r>
-          </a:p>
-        </p:txBody>
-      </p:sp>
-      <p:pic>
-        <p:nvPicPr>
-          <p:cNvPr id="4" name="Content Placeholder 3" descr="Q1biiplot.png"/>
-          <p:cNvPicPr>
-            <a:picLocks noGrp="1" noChangeAspect="1"/>
-          </p:cNvPicPr>
-          <p:nvPr>
-            <p:ph idx="1"/>
-          </p:nvPr>
-        </p:nvPicPr>
-        <p:blipFill>
-          <a:blip r:embed="rId3"/>
-          <a:srcRect t="13476" b="21"/>
-          <a:stretch>
-            <a:fillRect/>
-          </a:stretch>
-        </p:blipFill>
-        <p:spPr>
-          <a:xfrm>
-            <a:off x="1754052" y="2266311"/>
-            <a:ext cx="5676156" cy="3915058"/>
-          </a:xfrm>
-        </p:spPr>
-      </p:pic>
-    </p:spTree>
-    <p:extLst>
-      <p:ext uri="{BB962C8B-B14F-4D97-AF65-F5344CB8AC3E}">
-        <p14:creationId xmlns:p14="http://schemas.microsoft.com/office/powerpoint/2010/main" val="3981798149"/>
-      </p:ext>
-    </p:extLst>
-  </p:cSld>
-  <p:clrMapOvr>
-    <a:masterClrMapping/>
-  </p:clrMapOvr>
-</p:sld>
-</file>
-
-<file path=ppt/slides/slide12.xml><?xml version="1.0" encoding="utf-8"?>
-<p:sld xmlns:a="http://schemas.openxmlformats.org/drawingml/2006/main" xmlns:r="http://schemas.openxmlformats.org/officeDocument/2006/relationships" xmlns:p="http://schemas.openxmlformats.org/presentationml/2006/main">
-  <p:cSld>
-    <p:spTree>
-      <p:nvGrpSpPr>
-        <p:cNvPr id="1" name=""/>
-        <p:cNvGrpSpPr/>
-        <p:nvPr/>
-      </p:nvGrpSpPr>
-      <p:grpSpPr>
-        <a:xfrm>
-          <a:off x="0" y="0"/>
-          <a:ext cx="0" cy="0"/>
-          <a:chOff x="0" y="0"/>
-          <a:chExt cx="0" cy="0"/>
-        </a:xfrm>
-      </p:grpSpPr>
-      <p:sp>
-        <p:nvSpPr>
-          <p:cNvPr id="2" name="Title 1"/>
-          <p:cNvSpPr>
-            <a:spLocks noGrp="1"/>
-          </p:cNvSpPr>
-          <p:nvPr>
-            <p:ph type="ctrTitle"/>
-          </p:nvPr>
-        </p:nvSpPr>
-        <p:spPr/>
-        <p:txBody>
-          <a:bodyPr/>
-          <a:lstStyle/>
-          <a:p>
-            <a:r>
-              <a:rPr lang="en-US" dirty="0">
-                <a:latin typeface="Verdana"/>
-                <a:ea typeface="Verdana"/>
-                <a:cs typeface="Verdana"/>
-              </a:rPr>
-              <a:t>Classification</a:t>
-            </a:r>
-          </a:p>
-        </p:txBody>
-      </p:sp>
-      <p:sp>
-        <p:nvSpPr>
-          <p:cNvPr id="3" name="Subtitle 2"/>
-          <p:cNvSpPr>
-            <a:spLocks noGrp="1"/>
-          </p:cNvSpPr>
-          <p:nvPr>
-            <p:ph type="subTitle" idx="1"/>
-          </p:nvPr>
-        </p:nvSpPr>
-        <p:spPr/>
-        <p:txBody>
-          <a:bodyPr/>
-          <a:lstStyle/>
-          <a:p>
-            <a:r>
-              <a:rPr lang="en-US" dirty="0">
-                <a:latin typeface="Verdana"/>
-                <a:ea typeface="Verdana"/>
-                <a:cs typeface="Verdana"/>
-              </a:rPr>
-              <a:t>Conclusion</a:t>
-            </a:r>
-          </a:p>
-        </p:txBody>
-      </p:sp>
-    </p:spTree>
-    <p:extLst>
-      <p:ext uri="{BB962C8B-B14F-4D97-AF65-F5344CB8AC3E}">
-        <p14:creationId xmlns:p14="http://schemas.microsoft.com/office/powerpoint/2010/main" val="2255829954"/>
-      </p:ext>
-    </p:extLst>
-  </p:cSld>
-  <p:clrMapOvr>
-    <a:masterClrMapping/>
-  </p:clrMapOvr>
-</p:sld>
-</file>
-
-<file path=ppt/slides/slide13.xml><?xml version="1.0" encoding="utf-8"?>
-<p:sld xmlns:a="http://schemas.openxmlformats.org/drawingml/2006/main" xmlns:r="http://schemas.openxmlformats.org/officeDocument/2006/relationships" xmlns:p="http://schemas.openxmlformats.org/presentationml/2006/main">
-  <p:cSld>
-    <p:spTree>
-      <p:nvGrpSpPr>
-        <p:cNvPr id="1" name=""/>
-        <p:cNvGrpSpPr/>
-        <p:nvPr/>
-      </p:nvGrpSpPr>
-      <p:grpSpPr>
-        <a:xfrm>
-          <a:off x="0" y="0"/>
-          <a:ext cx="0" cy="0"/>
-          <a:chOff x="0" y="0"/>
-          <a:chExt cx="0" cy="0"/>
-        </a:xfrm>
-      </p:grpSpPr>
-      <p:sp>
-        <p:nvSpPr>
-          <p:cNvPr id="2" name="Title 1"/>
-          <p:cNvSpPr>
-            <a:spLocks noGrp="1"/>
-          </p:cNvSpPr>
-          <p:nvPr>
-            <p:ph type="title"/>
-          </p:nvPr>
-        </p:nvSpPr>
-        <p:spPr/>
-        <p:txBody>
-          <a:bodyPr>
-            <a:normAutofit/>
-          </a:bodyPr>
-          <a:lstStyle/>
-          <a:p>
-            <a:r>
-              <a:rPr lang="en-US">
-                <a:latin typeface="Verdana"/>
-                <a:ea typeface="Verdana"/>
-                <a:cs typeface="Verdana"/>
-              </a:rPr>
-              <a:t>Conclusion</a:t>
-            </a:r>
-          </a:p>
-        </p:txBody>
-      </p:sp>
-      <p:sp>
-        <p:nvSpPr>
-          <p:cNvPr id="3" name="Content Placeholder 2"/>
-          <p:cNvSpPr>
-            <a:spLocks noGrp="1"/>
-          </p:cNvSpPr>
-          <p:nvPr>
-            <p:ph idx="1"/>
-          </p:nvPr>
-        </p:nvSpPr>
-        <p:spPr/>
-        <p:txBody>
-          <a:bodyPr>
-            <a:normAutofit/>
-          </a:bodyPr>
-          <a:lstStyle/>
-          <a:p>
-            <a:r>
-              <a:rPr lang="en-US" sz="2800">
-                <a:latin typeface="Verdana" charset="0"/>
-                <a:ea typeface="Verdana" charset="0"/>
-                <a:cs typeface="Verdana" charset="0"/>
-              </a:rPr>
-              <a:t>Greater efficiency than human labelling</a:t>
-            </a:r>
-          </a:p>
-          <a:p>
-            <a:r>
-              <a:rPr lang="en-US" sz="2800">
-                <a:latin typeface="Verdana" charset="0"/>
-                <a:ea typeface="Verdana" charset="0"/>
-                <a:cs typeface="Verdana" charset="0"/>
-              </a:rPr>
-              <a:t>Predicted emotion is clear</a:t>
-            </a:r>
-          </a:p>
-        </p:txBody>
-      </p:sp>
-      <p:pic>
-        <p:nvPicPr>
-          <p:cNvPr id="4" name="Picture 3" descr="ClassificationConclusionTable.png"/>
-          <p:cNvPicPr>
-            <a:picLocks noChangeAspect="1"/>
-          </p:cNvPicPr>
-          <p:nvPr/>
-        </p:nvPicPr>
-        <p:blipFill>
-          <a:blip r:embed="rId3"/>
-          <a:srcRect t="11111" b="20"/>
-          <a:stretch>
-            <a:fillRect/>
-          </a:stretch>
-        </p:blipFill>
-        <p:spPr>
-          <a:xfrm>
-            <a:off x="759093" y="2657519"/>
-            <a:ext cx="7620814" cy="3512267"/>
-          </a:xfrm>
-          <a:prstGeom prst="rect">
-            <a:avLst/>
-          </a:prstGeom>
-        </p:spPr>
-      </p:pic>
-    </p:spTree>
-    <p:extLst>
-      <p:ext uri="{BB962C8B-B14F-4D97-AF65-F5344CB8AC3E}">
-        <p14:creationId xmlns:p14="http://schemas.microsoft.com/office/powerpoint/2010/main" val="1124079404"/>
-      </p:ext>
-    </p:extLst>
-  </p:cSld>
-  <p:clrMapOvr>
-    <a:masterClrMapping/>
-  </p:clrMapOvr>
-</p:sld>
-</file>
-
 <file path=ppt/slides/slide2.xml><?xml version="1.0" encoding="utf-8"?>
 <p:sld xmlns:a="http://schemas.openxmlformats.org/drawingml/2006/main" xmlns:r="http://schemas.openxmlformats.org/officeDocument/2006/relationships" xmlns:p="http://schemas.openxmlformats.org/presentationml/2006/main">
   <p:cSld>
@@ -5284,14 +4270,11 @@
           <a:bodyPr/>
           <a:lstStyle/>
           <a:p>
-            <a:r>
-              <a:rPr lang="en-US" sz="2800" dirty="0">
-                <a:latin typeface="Verdana"/>
-                <a:ea typeface="Verdana"/>
-                <a:cs typeface="Verdana"/>
-              </a:rPr>
-              <a:t>good question!</a:t>
-            </a:r>
+            <a:endParaRPr lang="en-US" sz="2800" dirty="0">
+              <a:latin typeface="Verdana"/>
+              <a:ea typeface="Verdana"/>
+              <a:cs typeface="Verdana"/>
+            </a:endParaRPr>
           </a:p>
           <a:p>
             <a:r>
@@ -5301,16 +4284,6 @@
                 <a:cs typeface="Verdana"/>
               </a:rPr>
               <a:t>split data into predetermined categories</a:t>
-            </a:r>
-          </a:p>
-          <a:p>
-            <a:r>
-              <a:rPr lang="en-US" sz="2800" dirty="0">
-                <a:latin typeface="Verdana"/>
-                <a:ea typeface="Verdana"/>
-                <a:cs typeface="Verdana"/>
-              </a:rPr>
-              <a:t>(Below MIREX table of 5 clusters of emotions)</a:t>
             </a:r>
           </a:p>
         </p:txBody>
@@ -5332,8 +4305,8 @@
         </p:blipFill>
         <p:spPr>
           <a:xfrm>
-            <a:off x="1797184" y="3682132"/>
-            <a:ext cx="5335458" cy="2894956"/>
+            <a:off x="1468438" y="3008313"/>
+            <a:ext cx="6139515" cy="3329563"/>
           </a:xfrm>
           <a:prstGeom prst="rect">
             <a:avLst/>
@@ -5403,30 +4376,15 @@
             <a:spLocks noGrp="1"/>
           </p:cNvSpPr>
           <p:nvPr>
-            <p:ph idx="1"/>
-          </p:nvPr>
-        </p:nvSpPr>
-        <p:spPr/>
-        <p:txBody>
-          <a:bodyPr/>
-          <a:lstStyle/>
-          <a:p>
-            <a:r>
-              <a:rPr lang="en-US" sz="2800">
-                <a:latin typeface="Verdana"/>
-                <a:ea typeface="Verdana"/>
-                <a:cs typeface="Verdana"/>
-              </a:rPr>
-              <a:t>Well, since you asked</a:t>
-            </a:r>
-          </a:p>
-          <a:p>
-            <a:endParaRPr lang="en-US" sz="2800">
-              <a:latin typeface="Verdana"/>
-              <a:ea typeface="Verdana"/>
-              <a:cs typeface="Verdana"/>
-            </a:endParaRPr>
-          </a:p>
+            <p:ph sz="half" idx="1"/>
+          </p:nvPr>
+        </p:nvSpPr>
+        <p:spPr/>
+        <p:txBody>
+          <a:bodyPr>
+            <a:normAutofit/>
+          </a:bodyPr>
+          <a:lstStyle/>
           <a:p>
             <a:r>
               <a:rPr lang="en-US" sz="2800">
@@ -5438,14 +4396,11 @@
             </a:r>
           </a:p>
           <a:p>
-            <a:r>
-              <a:rPr lang="en-US" sz="2800">
-                <a:latin typeface="Verdana"/>
-                <a:ea typeface="Verdana"/>
-                <a:cs typeface="Verdana"/>
-              </a:rPr>
-              <a:t>Single-label</a:t>
-            </a:r>
+            <a:endParaRPr lang="en-US" sz="2800">
+              <a:latin typeface="Verdana"/>
+              <a:ea typeface="Verdana"/>
+              <a:cs typeface="Verdana"/>
+            </a:endParaRPr>
           </a:p>
           <a:p>
             <a:r>
@@ -5458,14 +4413,11 @@
             </a:r>
           </a:p>
           <a:p>
-            <a:r>
-              <a:rPr lang="en-US" sz="2800">
-                <a:latin typeface="Verdana"/>
-                <a:ea typeface="Verdana"/>
-                <a:cs typeface="Verdana"/>
-              </a:rPr>
-              <a:t>Multi-label</a:t>
-            </a:r>
+            <a:endParaRPr lang="en-US" sz="2800">
+              <a:latin typeface="Verdana"/>
+              <a:ea typeface="Verdana"/>
+              <a:cs typeface="Verdana"/>
+            </a:endParaRPr>
           </a:p>
           <a:p>
             <a:r>
@@ -5475,6 +4427,52 @@
                 <a:cs typeface="Verdana"/>
               </a:rPr>
               <a:t>Fuzzy Label</a:t>
+            </a:r>
+          </a:p>
+        </p:txBody>
+      </p:sp>
+      <p:sp>
+        <p:nvSpPr>
+          <p:cNvPr id="4" name="Content Placeholder 3"/>
+          <p:cNvSpPr>
+            <a:spLocks noGrp="1"/>
+          </p:cNvSpPr>
+          <p:nvPr>
+            <p:ph sz="half" idx="2"/>
+          </p:nvPr>
+        </p:nvSpPr>
+        <p:spPr/>
+        <p:txBody>
+          <a:bodyPr/>
+          <a:lstStyle/>
+          <a:p>
+            <a:endParaRPr lang="en-US"/>
+          </a:p>
+          <a:p>
+            <a:r>
+              <a:rPr lang="en-US">
+                <a:latin typeface="Verdana" charset="0"/>
+                <a:ea typeface="Verdana" charset="0"/>
+                <a:cs typeface="Verdana" charset="0"/>
+              </a:rPr>
+              <a:t>Single-label</a:t>
+            </a:r>
+          </a:p>
+          <a:p>
+            <a:endParaRPr lang="en-US">
+              <a:latin typeface="Verdana" charset="0"/>
+              <a:ea typeface="Verdana" charset="0"/>
+              <a:cs typeface="Verdana" charset="0"/>
+            </a:endParaRPr>
+          </a:p>
+          <a:p>
+            <a:r>
+              <a:rPr lang="en-US">
+                <a:latin typeface="Verdana" charset="0"/>
+                <a:ea typeface="Verdana" charset="0"/>
+                <a:cs typeface="Verdana" charset="0"/>
+              </a:rPr>
+              <a:t>Multi-label</a:t>
             </a:r>
           </a:p>
         </p:txBody>
@@ -5519,7 +4517,12 @@
             <p:ph type="title"/>
           </p:nvPr>
         </p:nvSpPr>
-        <p:spPr/>
+        <p:spPr>
+          <a:xfrm>
+            <a:off x="445712" y="683352"/>
+            <a:ext cx="8229600" cy="1143000"/>
+          </a:xfrm>
+        </p:spPr>
         <p:txBody>
           <a:bodyPr>
             <a:normAutofit fontScale="90000"/>
@@ -5532,7 +4535,46 @@
                 <a:ea typeface="Verdana"/>
                 <a:cs typeface="Verdana"/>
               </a:rPr>
-              <a:t>I know what you're thinking...</a:t>
+              <a:t>I know what you're thinking</a:t>
+            </a:r>
+            <a:br>
+              <a:rPr lang="en-US">
+                <a:latin typeface="Verdana"/>
+                <a:ea typeface="Verdana"/>
+                <a:cs typeface="Verdana"/>
+              </a:rPr>
+            </a:br>
+            <a:r>
+              <a:rPr lang="en-US" sz="3600">
+                <a:solidFill>
+                  <a:srgbClr val="050505"/>
+                </a:solidFill>
+                <a:latin typeface="Verdana" charset="0"/>
+                <a:ea typeface="Verdana" charset="0"/>
+                <a:cs typeface="Verdana" charset="0"/>
+              </a:rPr>
+              <a:t>"I can classify music emotion </a:t>
+            </a:r>
+            <a:br>
+              <a:rPr lang="en-US" sz="3600">
+                <a:solidFill>
+                  <a:srgbClr val="050505"/>
+                </a:solidFill>
+                <a:latin typeface="Verdana" charset="0"/>
+                <a:ea typeface="Verdana" charset="0"/>
+                <a:cs typeface="Verdana" charset="0"/>
+              </a:rPr>
+            </a:br>
+            <a:r>
+              <a:rPr lang="en-US" sz="3600">
+                <a:solidFill>
+                  <a:srgbClr val="050505"/>
+                </a:solidFill>
+                <a:latin typeface="Verdana" charset="0"/>
+                <a:ea typeface="Verdana" charset="0"/>
+                <a:cs typeface="Verdana" charset="0"/>
+              </a:rPr>
+              <a:t>with my eyes closed ..."</a:t>
             </a:r>
           </a:p>
         </p:txBody>
@@ -5547,10 +4589,22 @@
             <p:ph idx="1"/>
           </p:nvPr>
         </p:nvSpPr>
-        <p:spPr/>
-        <p:txBody>
-          <a:bodyPr/>
-          <a:lstStyle/>
+        <p:spPr>
+          <a:xfrm>
+            <a:off x="384144" y="2111973"/>
+            <a:ext cx="8229600" cy="4525963"/>
+          </a:xfrm>
+        </p:spPr>
+        <p:txBody>
+          <a:bodyPr/>
+          <a:lstStyle/>
+          <a:p>
+            <a:endParaRPr lang="en-US" sz="2800">
+              <a:latin typeface="Verdana"/>
+              <a:ea typeface="Verdana"/>
+              <a:cs typeface="Verdana"/>
+            </a:endParaRPr>
+          </a:p>
           <a:p>
             <a:r>
               <a:rPr lang="en-US" sz="2800">
@@ -5558,17 +4612,20 @@
                 <a:ea typeface="Verdana"/>
                 <a:cs typeface="Verdana"/>
               </a:rPr>
-              <a:t>"I can classify music emotion with my eyes closed ..."</a:t>
-            </a:r>
-          </a:p>
-          <a:p>
+              <a:t>Why do we need ML?</a:t>
+            </a:r>
+          </a:p>
+          <a:p>
+            <a:pPr marL="0" indent="0">
+              <a:buNone/>
+            </a:pPr>
             <a:r>
               <a:rPr lang="en-US" sz="2800">
                 <a:latin typeface="Verdana"/>
                 <a:ea typeface="Verdana"/>
                 <a:cs typeface="Verdana"/>
               </a:rPr>
-              <a:t>"Why do we need ML?"</a:t>
+              <a:t>   </a:t>
             </a:r>
           </a:p>
           <a:p>
@@ -5594,7 +4651,33 @@
                 <a:ea typeface="Verdana"/>
                 <a:cs typeface="Verdana"/>
               </a:rPr>
+              <a:t>    </a:t>
+            </a:r>
+          </a:p>
+          <a:p>
+            <a:pPr marL="0" indent="0">
+              <a:buNone/>
+            </a:pPr>
+            <a:r>
+              <a:rPr lang="en-US" sz="2800">
+                <a:latin typeface="Verdana"/>
+                <a:ea typeface="Verdana"/>
+                <a:cs typeface="Verdana"/>
+              </a:rPr>
               <a:t>    - hard to describe what comes naturally</a:t>
+            </a:r>
+          </a:p>
+          <a:p>
+            <a:pPr marL="0" indent="0">
+              <a:buNone/>
+            </a:pPr>
+            <a:r>
+              <a:rPr lang="en-US" sz="2800">
+                <a:latin typeface="Verdana"/>
+                <a:ea typeface="Verdana"/>
+                <a:cs typeface="Verdana"/>
+              </a:rPr>
+              <a:t>    </a:t>
             </a:r>
           </a:p>
           <a:p>
@@ -5649,47 +4732,66 @@
             <a:spLocks noGrp="1"/>
           </p:cNvSpPr>
           <p:nvPr>
-            <p:ph type="ctrTitle"/>
-          </p:nvPr>
-        </p:nvSpPr>
-        <p:spPr/>
-        <p:txBody>
-          <a:bodyPr/>
-          <a:lstStyle/>
-          <a:p>
-            <a:r>
-              <a:rPr lang="en-US" dirty="0">
-                <a:latin typeface="Verdana"/>
-                <a:ea typeface="Verdana"/>
-                <a:cs typeface="Verdana"/>
-              </a:rPr>
-              <a:t>Classification</a:t>
-            </a:r>
-          </a:p>
-        </p:txBody>
-      </p:sp>
-      <p:sp>
-        <p:nvSpPr>
-          <p:cNvPr id="3" name="Subtitle 2"/>
-          <p:cNvSpPr>
-            <a:spLocks noGrp="1"/>
-          </p:cNvSpPr>
-          <p:nvPr>
-            <p:ph type="subTitle" idx="1"/>
-          </p:nvPr>
-        </p:nvSpPr>
-        <p:spPr/>
-        <p:txBody>
-          <a:bodyPr/>
-          <a:lstStyle/>
-          <a:p>
-            <a:r>
-              <a:rPr lang="en-US" dirty="0">
-                <a:latin typeface="Verdana"/>
-                <a:ea typeface="Verdana"/>
-                <a:cs typeface="Verdana"/>
-              </a:rPr>
-              <a:t>ML models</a:t>
+            <p:ph type="title"/>
+          </p:nvPr>
+        </p:nvSpPr>
+        <p:spPr/>
+        <p:txBody>
+          <a:bodyPr/>
+          <a:lstStyle/>
+          <a:p>
+            <a:r>
+              <a:rPr lang="en-US"/>
+              <a:t>Classification models</a:t>
+            </a:r>
+          </a:p>
+        </p:txBody>
+      </p:sp>
+      <p:sp>
+        <p:nvSpPr>
+          <p:cNvPr id="3" name="Content Placeholder 2"/>
+          <p:cNvSpPr>
+            <a:spLocks noGrp="1"/>
+          </p:cNvSpPr>
+          <p:nvPr>
+            <p:ph idx="1"/>
+          </p:nvPr>
+        </p:nvSpPr>
+        <p:spPr/>
+        <p:txBody>
+          <a:bodyPr/>
+          <a:lstStyle/>
+          <a:p>
+            <a:r>
+              <a:rPr lang="en-US"/>
+              <a:t>SVM</a:t>
+            </a:r>
+          </a:p>
+          <a:p>
+            <a:pPr marL="0" indent="0">
+              <a:buNone/>
+            </a:pPr>
+            <a:r>
+              <a:rPr lang="en-US"/>
+              <a:t>     - Binary classifier</a:t>
+            </a:r>
+          </a:p>
+          <a:p>
+            <a:endParaRPr lang="en-US"/>
+          </a:p>
+          <a:p>
+            <a:r>
+              <a:rPr lang="en-US"/>
+              <a:t>GMM</a:t>
+            </a:r>
+          </a:p>
+          <a:p>
+            <a:pPr marL="0" indent="0">
+              <a:buNone/>
+            </a:pPr>
+            <a:r>
+              <a:rPr lang="en-US"/>
+              <a:t>      - More purpose ready for multi-label</a:t>
             </a:r>
           </a:p>
         </p:txBody>
@@ -5697,7 +4799,7 @@
     </p:spTree>
     <p:extLst>
       <p:ext uri="{BB962C8B-B14F-4D97-AF65-F5344CB8AC3E}">
-        <p14:creationId xmlns:p14="http://schemas.microsoft.com/office/powerpoint/2010/main" val="12298418"/>
+        <p14:creationId xmlns:p14="http://schemas.microsoft.com/office/powerpoint/2010/main" val="1078708061"/>
       </p:ext>
     </p:extLst>
   </p:cSld>
@@ -5708,431 +4810,6 @@
 </file>
 
 <file path=ppt/slides/slide6.xml><?xml version="1.0" encoding="utf-8"?>
-<p:sld xmlns:a="http://schemas.openxmlformats.org/drawingml/2006/main" xmlns:r="http://schemas.openxmlformats.org/officeDocument/2006/relationships" xmlns:p="http://schemas.openxmlformats.org/presentationml/2006/main">
-  <p:cSld>
-    <p:spTree>
-      <p:nvGrpSpPr>
-        <p:cNvPr id="1" name=""/>
-        <p:cNvGrpSpPr/>
-        <p:nvPr/>
-      </p:nvGrpSpPr>
-      <p:grpSpPr>
-        <a:xfrm>
-          <a:off x="0" y="0"/>
-          <a:ext cx="0" cy="0"/>
-          <a:chOff x="0" y="0"/>
-          <a:chExt cx="0" cy="0"/>
-        </a:xfrm>
-      </p:grpSpPr>
-      <p:sp>
-        <p:nvSpPr>
-          <p:cNvPr id="2" name="Title 1"/>
-          <p:cNvSpPr>
-            <a:spLocks noGrp="1"/>
-          </p:cNvSpPr>
-          <p:nvPr>
-            <p:ph type="title"/>
-          </p:nvPr>
-        </p:nvSpPr>
-        <p:spPr/>
-        <p:txBody>
-          <a:bodyPr>
-            <a:normAutofit fontScale="90000"/>
-          </a:bodyPr>
-          <a:lstStyle/>
-          <a:p>
-            <a:r>
-              <a:rPr lang="en-US">
-                <a:latin typeface="Verdana"/>
-                <a:ea typeface="Verdana"/>
-                <a:cs typeface="Verdana"/>
-              </a:rPr>
-              <a:t>Support Vector Machines (SVM)</a:t>
-            </a:r>
-          </a:p>
-        </p:txBody>
-      </p:sp>
-      <p:sp>
-        <p:nvSpPr>
-          <p:cNvPr id="3" name="Content Placeholder 2"/>
-          <p:cNvSpPr>
-            <a:spLocks noGrp="1"/>
-          </p:cNvSpPr>
-          <p:nvPr>
-            <p:ph idx="1"/>
-          </p:nvPr>
-        </p:nvSpPr>
-        <p:spPr/>
-        <p:txBody>
-          <a:bodyPr/>
-          <a:lstStyle/>
-          <a:p>
-            <a:r>
-              <a:rPr lang="en-US" sz="2800">
-                <a:latin typeface="Verdana"/>
-                <a:ea typeface="Verdana"/>
-                <a:cs typeface="Verdana"/>
-              </a:rPr>
-              <a:t>Training data        </a:t>
-            </a:r>
-          </a:p>
-          <a:p>
-            <a:pPr marL="0" indent="0">
-              <a:buNone/>
-            </a:pPr>
-            <a:r>
-              <a:rPr lang="en-US" sz="2800">
-                <a:latin typeface="Verdana"/>
-                <a:ea typeface="Verdana"/>
-                <a:cs typeface="Verdana"/>
-              </a:rPr>
-              <a:t>            {(feature vector, ground truth)}</a:t>
-            </a:r>
-          </a:p>
-          <a:p>
-            <a:r>
-              <a:rPr lang="en-US" sz="2800">
-                <a:latin typeface="Verdana"/>
-                <a:ea typeface="Verdana"/>
-                <a:cs typeface="Verdana"/>
-              </a:rPr>
-              <a:t>Data shattering</a:t>
-            </a:r>
-          </a:p>
-          <a:p>
-            <a:pPr marL="0" indent="0">
-              <a:buNone/>
-            </a:pPr>
-            <a:endParaRPr lang="en-US" sz="2800">
-              <a:latin typeface="Verdana"/>
-              <a:ea typeface="Verdana"/>
-              <a:cs typeface="Verdana"/>
-            </a:endParaRPr>
-          </a:p>
-        </p:txBody>
-      </p:sp>
-      <p:sp>
-        <p:nvSpPr>
-          <p:cNvPr id="4" name="Right Arrow 3"/>
-          <p:cNvSpPr/>
-          <p:nvPr/>
-        </p:nvSpPr>
-        <p:spPr>
-          <a:xfrm>
-            <a:off x="1229038" y="2179285"/>
-            <a:ext cx="684167" cy="303715"/>
-          </a:xfrm>
-          <a:prstGeom prst="rightArrow">
-            <a:avLst/>
-          </a:prstGeom>
-        </p:spPr>
-        <p:style>
-          <a:lnRef idx="1">
-            <a:schemeClr val="accent1"/>
-          </a:lnRef>
-          <a:fillRef idx="3">
-            <a:schemeClr val="accent1"/>
-          </a:fillRef>
-          <a:effectRef idx="2">
-            <a:schemeClr val="accent1"/>
-          </a:effectRef>
-          <a:fontRef idx="minor">
-            <a:schemeClr val="lt1"/>
-          </a:fontRef>
-        </p:style>
-        <p:txBody>
-          <a:bodyPr rtlCol="0" anchor="ctr"/>
-          <a:lstStyle/>
-          <a:p>
-            <a:pPr algn="ctr"/>
-            <a:endParaRPr lang="en-US"/>
-          </a:p>
-        </p:txBody>
-      </p:sp>
-      <p:pic>
-        <p:nvPicPr>
-          <p:cNvPr id="5" name="Picture 4" descr="dataShattering.png"/>
-          <p:cNvPicPr>
-            <a:picLocks noChangeAspect="1"/>
-          </p:cNvPicPr>
-          <p:nvPr/>
-        </p:nvPicPr>
-        <p:blipFill>
-          <a:blip r:embed="rId3"/>
-          <a:stretch>
-            <a:fillRect/>
-          </a:stretch>
-        </p:blipFill>
-        <p:spPr>
-          <a:xfrm>
-            <a:off x="2036853" y="3284484"/>
-            <a:ext cx="5351865" cy="2672278"/>
-          </a:xfrm>
-          <a:prstGeom prst="rect">
-            <a:avLst/>
-          </a:prstGeom>
-        </p:spPr>
-      </p:pic>
-    </p:spTree>
-    <p:extLst>
-      <p:ext uri="{BB962C8B-B14F-4D97-AF65-F5344CB8AC3E}">
-        <p14:creationId xmlns:p14="http://schemas.microsoft.com/office/powerpoint/2010/main" val="3065542050"/>
-      </p:ext>
-    </p:extLst>
-  </p:cSld>
-  <p:clrMapOvr>
-    <a:masterClrMapping/>
-  </p:clrMapOvr>
-</p:sld>
-</file>
-
-<file path=ppt/slides/slide7.xml><?xml version="1.0" encoding="utf-8"?>
-<p:sld xmlns:a="http://schemas.openxmlformats.org/drawingml/2006/main" xmlns:r="http://schemas.openxmlformats.org/officeDocument/2006/relationships" xmlns:p="http://schemas.openxmlformats.org/presentationml/2006/main">
-  <p:cSld>
-    <p:spTree>
-      <p:nvGrpSpPr>
-        <p:cNvPr id="1" name=""/>
-        <p:cNvGrpSpPr/>
-        <p:nvPr/>
-      </p:nvGrpSpPr>
-      <p:grpSpPr>
-        <a:xfrm>
-          <a:off x="0" y="0"/>
-          <a:ext cx="0" cy="0"/>
-          <a:chOff x="0" y="0"/>
-          <a:chExt cx="0" cy="0"/>
-        </a:xfrm>
-      </p:grpSpPr>
-      <p:sp>
-        <p:nvSpPr>
-          <p:cNvPr id="2" name="Title 1"/>
-          <p:cNvSpPr>
-            <a:spLocks noGrp="1"/>
-          </p:cNvSpPr>
-          <p:nvPr>
-            <p:ph type="title"/>
-          </p:nvPr>
-        </p:nvSpPr>
-        <p:spPr/>
-        <p:txBody>
-          <a:bodyPr>
-            <a:normAutofit fontScale="90000"/>
-          </a:bodyPr>
-          <a:lstStyle/>
-          <a:p>
-            <a:r>
-              <a:rPr lang="en-US">
-                <a:latin typeface="Verdana"/>
-                <a:ea typeface="Verdana"/>
-                <a:cs typeface="Verdana"/>
-              </a:rPr>
-              <a:t>Support Vector Machines (SVM)</a:t>
-            </a:r>
-          </a:p>
-        </p:txBody>
-      </p:sp>
-      <p:sp>
-        <p:nvSpPr>
-          <p:cNvPr id="3" name="Content Placeholder 2"/>
-          <p:cNvSpPr>
-            <a:spLocks noGrp="1"/>
-          </p:cNvSpPr>
-          <p:nvPr>
-            <p:ph idx="1"/>
-          </p:nvPr>
-        </p:nvSpPr>
-        <p:spPr/>
-        <p:txBody>
-          <a:bodyPr/>
-          <a:lstStyle/>
-          <a:p>
-            <a:r>
-              <a:rPr lang="en-US" sz="2800">
-                <a:latin typeface="Verdana"/>
-                <a:ea typeface="Verdana"/>
-                <a:cs typeface="Verdana"/>
-              </a:rPr>
-              <a:t>Maximum margin hyper-plane</a:t>
-            </a:r>
-          </a:p>
-        </p:txBody>
-      </p:sp>
-      <p:pic>
-        <p:nvPicPr>
-          <p:cNvPr id="6" name="Picture 5" descr="manyHyperPlanes.png"/>
-          <p:cNvPicPr>
-            <a:picLocks noChangeAspect="1"/>
-          </p:cNvPicPr>
-          <p:nvPr/>
-        </p:nvPicPr>
-        <p:blipFill>
-          <a:blip r:embed="rId3"/>
-          <a:stretch>
-            <a:fillRect/>
-          </a:stretch>
-        </p:blipFill>
-        <p:spPr>
-          <a:xfrm>
-            <a:off x="1206500" y="2463800"/>
-            <a:ext cx="5876879" cy="2775177"/>
-          </a:xfrm>
-          <a:prstGeom prst="rect">
-            <a:avLst/>
-          </a:prstGeom>
-        </p:spPr>
-      </p:pic>
-    </p:spTree>
-    <p:extLst>
-      <p:ext uri="{BB962C8B-B14F-4D97-AF65-F5344CB8AC3E}">
-        <p14:creationId xmlns:p14="http://schemas.microsoft.com/office/powerpoint/2010/main" val="4279112609"/>
-      </p:ext>
-    </p:extLst>
-  </p:cSld>
-  <p:clrMapOvr>
-    <a:masterClrMapping/>
-  </p:clrMapOvr>
-</p:sld>
-</file>
-
-<file path=ppt/slides/slide8.xml><?xml version="1.0" encoding="utf-8"?>
-<p:sld xmlns:a="http://schemas.openxmlformats.org/drawingml/2006/main" xmlns:r="http://schemas.openxmlformats.org/officeDocument/2006/relationships" xmlns:p="http://schemas.openxmlformats.org/presentationml/2006/main">
-  <p:cSld>
-    <p:spTree>
-      <p:nvGrpSpPr>
-        <p:cNvPr id="1" name=""/>
-        <p:cNvGrpSpPr/>
-        <p:nvPr/>
-      </p:nvGrpSpPr>
-      <p:grpSpPr>
-        <a:xfrm>
-          <a:off x="0" y="0"/>
-          <a:ext cx="0" cy="0"/>
-          <a:chOff x="0" y="0"/>
-          <a:chExt cx="0" cy="0"/>
-        </a:xfrm>
-      </p:grpSpPr>
-      <p:sp>
-        <p:nvSpPr>
-          <p:cNvPr id="2" name="Title 1"/>
-          <p:cNvSpPr>
-            <a:spLocks noGrp="1"/>
-          </p:cNvSpPr>
-          <p:nvPr>
-            <p:ph type="title"/>
-          </p:nvPr>
-        </p:nvSpPr>
-        <p:spPr/>
-        <p:txBody>
-          <a:bodyPr>
-            <a:normAutofit fontScale="90000"/>
-          </a:bodyPr>
-          <a:lstStyle/>
-          <a:p>
-            <a:r>
-              <a:rPr lang="en-US">
-                <a:latin typeface="Verdana"/>
-                <a:ea typeface="Verdana"/>
-                <a:cs typeface="Verdana"/>
-              </a:rPr>
-              <a:t>Support Vector Machines (SVM)</a:t>
-            </a:r>
-          </a:p>
-        </p:txBody>
-      </p:sp>
-      <p:sp>
-        <p:nvSpPr>
-          <p:cNvPr id="3" name="Content Placeholder 2"/>
-          <p:cNvSpPr>
-            <a:spLocks noGrp="1"/>
-          </p:cNvSpPr>
-          <p:nvPr>
-            <p:ph idx="1"/>
-          </p:nvPr>
-        </p:nvSpPr>
-        <p:spPr/>
-        <p:txBody>
-          <a:bodyPr/>
-          <a:lstStyle/>
-          <a:p>
-            <a:r>
-              <a:rPr lang="en-US" sz="2800">
-                <a:latin typeface="Verdana"/>
-                <a:ea typeface="Verdana"/>
-                <a:cs typeface="Verdana"/>
-              </a:rPr>
-              <a:t>Huh, what is it good for?</a:t>
-            </a:r>
-          </a:p>
-          <a:p>
-            <a:endParaRPr lang="en-US" sz="2800">
-              <a:latin typeface="Verdana"/>
-              <a:ea typeface="Verdana"/>
-              <a:cs typeface="Verdana"/>
-            </a:endParaRPr>
-          </a:p>
-          <a:p>
-            <a:r>
-              <a:rPr lang="en-US" sz="2800">
-                <a:latin typeface="Verdana"/>
-                <a:ea typeface="Verdana"/>
-                <a:cs typeface="Verdana"/>
-              </a:rPr>
-              <a:t>Primarily Binary Classification</a:t>
-            </a:r>
-          </a:p>
-          <a:p>
-            <a:r>
-              <a:rPr lang="en-US" sz="2800">
-                <a:latin typeface="Verdana"/>
-                <a:ea typeface="Verdana"/>
-                <a:cs typeface="Verdana"/>
-              </a:rPr>
-              <a:t>Single-label</a:t>
-            </a:r>
-          </a:p>
-          <a:p>
-            <a:r>
-              <a:rPr lang="en-US" sz="2800">
-                <a:latin typeface="Verdana"/>
-                <a:ea typeface="Verdana"/>
-                <a:cs typeface="Verdana"/>
-              </a:rPr>
-              <a:t>Multi-class</a:t>
-            </a:r>
-          </a:p>
-          <a:p>
-            <a:r>
-              <a:rPr lang="en-US" sz="2800">
-                <a:latin typeface="Verdana"/>
-                <a:ea typeface="Verdana"/>
-                <a:cs typeface="Verdana"/>
-              </a:rPr>
-              <a:t>Multi-label</a:t>
-            </a:r>
-          </a:p>
-          <a:p>
-            <a:endParaRPr lang="en-US" sz="2800">
-              <a:latin typeface="Verdana"/>
-              <a:ea typeface="Verdana"/>
-              <a:cs typeface="Verdana"/>
-            </a:endParaRPr>
-          </a:p>
-        </p:txBody>
-      </p:sp>
-    </p:spTree>
-    <p:extLst>
-      <p:ext uri="{BB962C8B-B14F-4D97-AF65-F5344CB8AC3E}">
-        <p14:creationId xmlns:p14="http://schemas.microsoft.com/office/powerpoint/2010/main" val="2710931599"/>
-      </p:ext>
-    </p:extLst>
-  </p:cSld>
-  <p:clrMapOvr>
-    <a:masterClrMapping/>
-  </p:clrMapOvr>
-</p:sld>
-</file>
-
-<file path=ppt/slides/slide9.xml><?xml version="1.0" encoding="utf-8"?>
 <p:sld xmlns:a="http://schemas.openxmlformats.org/drawingml/2006/main" xmlns:r="http://schemas.openxmlformats.org/officeDocument/2006/relationships" xmlns:p="http://schemas.openxmlformats.org/presentationml/2006/main">
   <p:cSld>
     <p:spTree>
@@ -6255,6 +4932,274 @@
     <p:extLst>
       <p:ext uri="{BB962C8B-B14F-4D97-AF65-F5344CB8AC3E}">
         <p14:creationId xmlns:p14="http://schemas.microsoft.com/office/powerpoint/2010/main" val="3493804091"/>
+      </p:ext>
+    </p:extLst>
+  </p:cSld>
+  <p:clrMapOvr>
+    <a:masterClrMapping/>
+  </p:clrMapOvr>
+</p:sld>
+</file>
+
+<file path=ppt/slides/slide7.xml><?xml version="1.0" encoding="utf-8"?>
+<p:sld xmlns:a="http://schemas.openxmlformats.org/drawingml/2006/main" xmlns:r="http://schemas.openxmlformats.org/officeDocument/2006/relationships" xmlns:p="http://schemas.openxmlformats.org/presentationml/2006/main">
+  <p:cSld>
+    <p:spTree>
+      <p:nvGrpSpPr>
+        <p:cNvPr id="1" name=""/>
+        <p:cNvGrpSpPr/>
+        <p:nvPr/>
+      </p:nvGrpSpPr>
+      <p:grpSpPr>
+        <a:xfrm>
+          <a:off x="0" y="0"/>
+          <a:ext cx="0" cy="0"/>
+          <a:chOff x="0" y="0"/>
+          <a:chExt cx="0" cy="0"/>
+        </a:xfrm>
+      </p:grpSpPr>
+      <p:sp>
+        <p:nvSpPr>
+          <p:cNvPr id="2" name="Title 1"/>
+          <p:cNvSpPr>
+            <a:spLocks noGrp="1"/>
+          </p:cNvSpPr>
+          <p:nvPr>
+            <p:ph type="title"/>
+          </p:nvPr>
+        </p:nvSpPr>
+        <p:spPr/>
+        <p:txBody>
+          <a:bodyPr>
+            <a:normAutofit fontScale="90000"/>
+          </a:bodyPr>
+          <a:lstStyle/>
+          <a:p>
+            <a:r>
+              <a:rPr lang="en-US">
+                <a:latin typeface="Verdana"/>
+                <a:ea typeface="Verdana"/>
+                <a:cs typeface="Verdana"/>
+              </a:rPr>
+              <a:t>Fuzzy k-Nearest Neighbour (FKNN)</a:t>
+            </a:r>
+          </a:p>
+        </p:txBody>
+      </p:sp>
+      <p:sp>
+        <p:nvSpPr>
+          <p:cNvPr id="3" name="Content Placeholder 2"/>
+          <p:cNvSpPr>
+            <a:spLocks noGrp="1"/>
+          </p:cNvSpPr>
+          <p:nvPr>
+            <p:ph idx="1"/>
+          </p:nvPr>
+        </p:nvSpPr>
+        <p:spPr/>
+        <p:txBody>
+          <a:bodyPr>
+            <a:normAutofit lnSpcReduction="10000"/>
+          </a:bodyPr>
+          <a:lstStyle/>
+          <a:p>
+            <a:r>
+              <a:rPr lang="en-US" sz="2800">
+                <a:latin typeface="Verdana"/>
+                <a:ea typeface="Verdana"/>
+                <a:cs typeface="Verdana"/>
+              </a:rPr>
+              <a:t>The ML part</a:t>
+            </a:r>
+          </a:p>
+          <a:p>
+            <a:endParaRPr lang="en-US" sz="2800">
+              <a:latin typeface="Verdana"/>
+              <a:ea typeface="Verdana"/>
+              <a:cs typeface="Verdana"/>
+            </a:endParaRPr>
+          </a:p>
+          <a:p>
+            <a:r>
+              <a:rPr lang="en-US" sz="2800">
+                <a:latin typeface="Verdana" charset="0"/>
+                <a:ea typeface="Verdana" charset="0"/>
+                <a:cs typeface="Verdana" charset="0"/>
+              </a:rPr>
+              <a:t>Values of training set are fuzzy vectors</a:t>
+            </a:r>
+          </a:p>
+          <a:p>
+            <a:endParaRPr lang="en-US" sz="2800">
+              <a:latin typeface="Verdana" charset="0"/>
+              <a:ea typeface="Verdana" charset="0"/>
+              <a:cs typeface="Verdana" charset="0"/>
+            </a:endParaRPr>
+          </a:p>
+          <a:p>
+            <a:r>
+              <a:rPr lang="en-US" sz="2800">
+                <a:latin typeface="Verdana" charset="0"/>
+                <a:ea typeface="Verdana" charset="0"/>
+                <a:cs typeface="Verdana" charset="0"/>
+              </a:rPr>
+              <a:t>Components of vectors: mean feature value a class</a:t>
+            </a:r>
+          </a:p>
+          <a:p>
+            <a:r>
+              <a:rPr lang="en-US" sz="2800">
+                <a:latin typeface="Verdana" charset="0"/>
+                <a:ea typeface="Verdana" charset="0"/>
+                <a:cs typeface="Verdana" charset="0"/>
+              </a:rPr>
+              <a:t>Error is calculated for each test data point </a:t>
+            </a:r>
+          </a:p>
+          <a:p>
+            <a:endParaRPr lang="en-US" sz="2800">
+              <a:latin typeface="Verdana" charset="0"/>
+              <a:ea typeface="Verdana" charset="0"/>
+              <a:cs typeface="Verdana" charset="0"/>
+            </a:endParaRPr>
+          </a:p>
+          <a:p>
+            <a:r>
+              <a:rPr lang="en-US" sz="2800">
+                <a:latin typeface="Verdana" charset="0"/>
+                <a:ea typeface="Verdana" charset="0"/>
+                <a:cs typeface="Verdana" charset="0"/>
+              </a:rPr>
+              <a:t>Weakest features are removed</a:t>
+            </a:r>
+          </a:p>
+        </p:txBody>
+      </p:sp>
+    </p:spTree>
+    <p:extLst>
+      <p:ext uri="{BB962C8B-B14F-4D97-AF65-F5344CB8AC3E}">
+        <p14:creationId xmlns:p14="http://schemas.microsoft.com/office/powerpoint/2010/main" val="3765171549"/>
+      </p:ext>
+    </p:extLst>
+  </p:cSld>
+  <p:clrMapOvr>
+    <a:masterClrMapping/>
+  </p:clrMapOvr>
+</p:sld>
+</file>
+
+<file path=ppt/slides/slide8.xml><?xml version="1.0" encoding="utf-8"?>
+<p:sld xmlns:a="http://schemas.openxmlformats.org/drawingml/2006/main" xmlns:r="http://schemas.openxmlformats.org/officeDocument/2006/relationships" xmlns:p="http://schemas.openxmlformats.org/presentationml/2006/main">
+  <p:cSld>
+    <p:spTree>
+      <p:nvGrpSpPr>
+        <p:cNvPr id="1" name=""/>
+        <p:cNvGrpSpPr/>
+        <p:nvPr/>
+      </p:nvGrpSpPr>
+      <p:grpSpPr>
+        <a:xfrm>
+          <a:off x="0" y="0"/>
+          <a:ext cx="0" cy="0"/>
+          <a:chOff x="0" y="0"/>
+          <a:chExt cx="0" cy="0"/>
+        </a:xfrm>
+      </p:grpSpPr>
+      <p:sp>
+        <p:nvSpPr>
+          <p:cNvPr id="2" name="Title 1"/>
+          <p:cNvSpPr>
+            <a:spLocks noGrp="1"/>
+          </p:cNvSpPr>
+          <p:nvPr>
+            <p:ph type="title"/>
+          </p:nvPr>
+        </p:nvSpPr>
+        <p:spPr/>
+        <p:txBody>
+          <a:bodyPr>
+            <a:normAutofit/>
+          </a:bodyPr>
+          <a:lstStyle/>
+          <a:p>
+            <a:r>
+              <a:rPr lang="en-US">
+                <a:latin typeface="Verdana"/>
+                <a:ea typeface="Verdana"/>
+                <a:cs typeface="Verdana"/>
+              </a:rPr>
+              <a:t>Conclusion</a:t>
+            </a:r>
+          </a:p>
+        </p:txBody>
+      </p:sp>
+      <p:sp>
+        <p:nvSpPr>
+          <p:cNvPr id="3" name="Content Placeholder 2"/>
+          <p:cNvSpPr>
+            <a:spLocks noGrp="1"/>
+          </p:cNvSpPr>
+          <p:nvPr>
+            <p:ph idx="1"/>
+          </p:nvPr>
+        </p:nvSpPr>
+        <p:spPr/>
+        <p:txBody>
+          <a:bodyPr>
+            <a:normAutofit/>
+          </a:bodyPr>
+          <a:lstStyle/>
+          <a:p>
+            <a:r>
+              <a:rPr lang="en-US" sz="2800">
+                <a:latin typeface="Verdana" charset="0"/>
+                <a:ea typeface="Verdana" charset="0"/>
+                <a:cs typeface="Verdana" charset="0"/>
+              </a:rPr>
+              <a:t>Greater efficiency than human labelling</a:t>
+            </a:r>
+          </a:p>
+          <a:p>
+            <a:r>
+              <a:rPr lang="en-US" sz="2800">
+                <a:latin typeface="Verdana" charset="0"/>
+                <a:ea typeface="Verdana" charset="0"/>
+                <a:cs typeface="Verdana" charset="0"/>
+              </a:rPr>
+              <a:t>Predicted emotion is clear</a:t>
+            </a:r>
+          </a:p>
+        </p:txBody>
+      </p:sp>
+      <p:pic>
+        <p:nvPicPr>
+          <p:cNvPr id="4" name="Picture 3" descr="ClassificationConclusionTable.png"/>
+          <p:cNvPicPr>
+            <a:picLocks noChangeAspect="1"/>
+          </p:cNvPicPr>
+          <p:nvPr/>
+        </p:nvPicPr>
+        <p:blipFill>
+          <a:blip r:embed="rId3"/>
+          <a:srcRect t="11111" b="20"/>
+          <a:stretch>
+            <a:fillRect/>
+          </a:stretch>
+        </p:blipFill>
+        <p:spPr>
+          <a:xfrm>
+            <a:off x="759093" y="2657519"/>
+            <a:ext cx="7620814" cy="3512267"/>
+          </a:xfrm>
+          <a:prstGeom prst="rect">
+            <a:avLst/>
+          </a:prstGeom>
+        </p:spPr>
+      </p:pic>
+    </p:spTree>
+    <p:extLst>
+      <p:ext uri="{BB962C8B-B14F-4D97-AF65-F5344CB8AC3E}">
+        <p14:creationId xmlns:p14="http://schemas.microsoft.com/office/powerpoint/2010/main" val="1124079404"/>
       </p:ext>
     </p:extLst>
   </p:cSld>
